--- a/src/DOC/CS01/task03/CS1_task03_Presentation.pptx
+++ b/src/DOC/CS01/task03/CS1_task03_Presentation.pptx
@@ -5,33 +5,32 @@
     <p:sldMasterId id="2147483669" r:id="rId1"/>
   </p:sldMasterIdLst>
   <p:notesMasterIdLst>
-    <p:notesMasterId r:id="rId26"/>
+    <p:notesMasterId r:id="rId25"/>
   </p:notesMasterIdLst>
   <p:sldIdLst>
     <p:sldId id="256" r:id="rId2"/>
     <p:sldId id="257" r:id="rId3"/>
     <p:sldId id="259" r:id="rId4"/>
-    <p:sldId id="261" r:id="rId5"/>
-    <p:sldId id="260" r:id="rId6"/>
-    <p:sldId id="258" r:id="rId7"/>
-    <p:sldId id="262" r:id="rId8"/>
-    <p:sldId id="266" r:id="rId9"/>
-    <p:sldId id="267" r:id="rId10"/>
-    <p:sldId id="268" r:id="rId11"/>
-    <p:sldId id="269" r:id="rId12"/>
-    <p:sldId id="270" r:id="rId13"/>
-    <p:sldId id="271" r:id="rId14"/>
-    <p:sldId id="263" r:id="rId15"/>
-    <p:sldId id="264" r:id="rId16"/>
-    <p:sldId id="272" r:id="rId17"/>
-    <p:sldId id="273" r:id="rId18"/>
-    <p:sldId id="274" r:id="rId19"/>
-    <p:sldId id="275" r:id="rId20"/>
-    <p:sldId id="276" r:id="rId21"/>
-    <p:sldId id="277" r:id="rId22"/>
-    <p:sldId id="278" r:id="rId23"/>
-    <p:sldId id="280" r:id="rId24"/>
-    <p:sldId id="281" r:id="rId25"/>
+    <p:sldId id="260" r:id="rId5"/>
+    <p:sldId id="258" r:id="rId6"/>
+    <p:sldId id="262" r:id="rId7"/>
+    <p:sldId id="266" r:id="rId8"/>
+    <p:sldId id="267" r:id="rId9"/>
+    <p:sldId id="268" r:id="rId10"/>
+    <p:sldId id="269" r:id="rId11"/>
+    <p:sldId id="270" r:id="rId12"/>
+    <p:sldId id="271" r:id="rId13"/>
+    <p:sldId id="263" r:id="rId14"/>
+    <p:sldId id="264" r:id="rId15"/>
+    <p:sldId id="272" r:id="rId16"/>
+    <p:sldId id="273" r:id="rId17"/>
+    <p:sldId id="274" r:id="rId18"/>
+    <p:sldId id="275" r:id="rId19"/>
+    <p:sldId id="276" r:id="rId20"/>
+    <p:sldId id="277" r:id="rId21"/>
+    <p:sldId id="278" r:id="rId22"/>
+    <p:sldId id="280" r:id="rId23"/>
+    <p:sldId id="281" r:id="rId24"/>
   </p:sldIdLst>
   <p:sldSz cx="12192000" cy="6858000"/>
   <p:notesSz cx="6858000" cy="9144000"/>
@@ -132,7 +131,7 @@
   </p:defaultTextStyle>
   <p:extLst>
     <p:ext uri="{EFAFB233-063F-42B5-8137-9DF3F51BA10A}">
-      <p15:sldGuideLst xmlns:p15="http://schemas.microsoft.com/office/powerpoint/2012/main"/>
+      <p15:sldGuideLst xmlns:p15="http://schemas.microsoft.com/office/powerpoint/2012/main" xmlns=""/>
     </p:ext>
   </p:extLst>
 </p:presentation>
@@ -220,7 +219,7 @@
           <a:p>
             <a:fld id="{C54E1F90-0B2A-405E-BC64-B04AB38A28DD}" type="datetimeFigureOut">
               <a:rPr lang="de-CH" smtClean="0"/>
-              <a:t>20.03.2017</a:t>
+              <a:t>21.03.2017</a:t>
             </a:fld>
             <a:endParaRPr lang="de-CH"/>
           </a:p>
@@ -379,7 +378,7 @@
           <a:p>
             <a:fld id="{DB9CEBA9-7D19-48C9-B338-B8FDE51385ED}" type="slidenum">
               <a:rPr lang="de-CH" smtClean="0"/>
-              <a:t>‹Nr.›</a:t>
+              <a:t>‹#›</a:t>
             </a:fld>
             <a:endParaRPr lang="de-CH"/>
           </a:p>
@@ -703,7 +702,7 @@
           <a:p>
             <a:fld id="{66E851C9-2478-4BD2-BE4D-474F5A07A30A}" type="datetime1">
               <a:rPr lang="en-US" smtClean="0"/>
-              <a:t>3/20/2017</a:t>
+              <a:t>3/21/2017</a:t>
             </a:fld>
             <a:endParaRPr lang="en-US" dirty="0"/>
           </a:p>
@@ -746,7 +745,7 @@
             <a:fld id="{6D22F896-40B5-4ADD-8801-0D06FADFA095}" type="slidenum">
               <a:rPr lang="en-US" smtClean="0"/>
               <a:pPr/>
-              <a:t>‹Nr.›</a:t>
+              <a:t>‹#›</a:t>
             </a:fld>
             <a:endParaRPr lang="en-US" dirty="0"/>
           </a:p>
@@ -875,7 +874,7 @@
           <a:p>
             <a:fld id="{66E851C9-2478-4BD2-BE4D-474F5A07A30A}" type="datetime1">
               <a:rPr lang="en-US" smtClean="0"/>
-              <a:t>3/20/2017</a:t>
+              <a:t>3/21/2017</a:t>
             </a:fld>
             <a:endParaRPr lang="en-US" dirty="0"/>
           </a:p>
@@ -918,7 +917,7 @@
             <a:fld id="{6D22F896-40B5-4ADD-8801-0D06FADFA095}" type="slidenum">
               <a:rPr lang="en-US" smtClean="0"/>
               <a:pPr/>
-              <a:t>‹Nr.›</a:t>
+              <a:t>‹#›</a:t>
             </a:fld>
             <a:endParaRPr lang="en-US" dirty="0"/>
           </a:p>
@@ -1057,7 +1056,7 @@
           <a:p>
             <a:fld id="{66E851C9-2478-4BD2-BE4D-474F5A07A30A}" type="datetime1">
               <a:rPr lang="en-US" smtClean="0"/>
-              <a:t>3/20/2017</a:t>
+              <a:t>3/21/2017</a:t>
             </a:fld>
             <a:endParaRPr lang="en-US" dirty="0"/>
           </a:p>
@@ -1100,7 +1099,7 @@
             <a:fld id="{6D22F896-40B5-4ADD-8801-0D06FADFA095}" type="slidenum">
               <a:rPr lang="en-US" smtClean="0"/>
               <a:pPr/>
-              <a:t>‹Nr.›</a:t>
+              <a:t>‹#›</a:t>
             </a:fld>
             <a:endParaRPr lang="en-US" dirty="0"/>
           </a:p>
@@ -1229,7 +1228,7 @@
           <a:p>
             <a:fld id="{66E851C9-2478-4BD2-BE4D-474F5A07A30A}" type="datetime1">
               <a:rPr lang="en-US" smtClean="0"/>
-              <a:t>3/20/2017</a:t>
+              <a:t>3/21/2017</a:t>
             </a:fld>
             <a:endParaRPr lang="en-US" dirty="0"/>
           </a:p>
@@ -1272,7 +1271,7 @@
             <a:fld id="{6D22F896-40B5-4ADD-8801-0D06FADFA095}" type="slidenum">
               <a:rPr lang="en-US" smtClean="0"/>
               <a:pPr/>
-              <a:t>‹Nr.›</a:t>
+              <a:t>‹#›</a:t>
             </a:fld>
             <a:endParaRPr lang="en-US" dirty="0"/>
           </a:p>
@@ -1477,7 +1476,7 @@
           <a:p>
             <a:fld id="{66E851C9-2478-4BD2-BE4D-474F5A07A30A}" type="datetime1">
               <a:rPr lang="en-US" smtClean="0"/>
-              <a:t>3/20/2017</a:t>
+              <a:t>3/21/2017</a:t>
             </a:fld>
             <a:endParaRPr lang="en-US" dirty="0"/>
           </a:p>
@@ -1520,7 +1519,7 @@
             <a:fld id="{6D22F896-40B5-4ADD-8801-0D06FADFA095}" type="slidenum">
               <a:rPr lang="en-US" smtClean="0"/>
               <a:pPr/>
-              <a:t>‹Nr.›</a:t>
+              <a:t>‹#›</a:t>
             </a:fld>
             <a:endParaRPr lang="en-US" dirty="0"/>
           </a:p>
@@ -1711,7 +1710,7 @@
           <a:p>
             <a:fld id="{66E851C9-2478-4BD2-BE4D-474F5A07A30A}" type="datetime1">
               <a:rPr lang="en-US" smtClean="0"/>
-              <a:t>3/20/2017</a:t>
+              <a:t>3/21/2017</a:t>
             </a:fld>
             <a:endParaRPr lang="en-US" dirty="0"/>
           </a:p>
@@ -1754,7 +1753,7 @@
             <a:fld id="{6D22F896-40B5-4ADD-8801-0D06FADFA095}" type="slidenum">
               <a:rPr lang="en-US" smtClean="0"/>
               <a:pPr/>
-              <a:t>‹Nr.›</a:t>
+              <a:t>‹#›</a:t>
             </a:fld>
             <a:endParaRPr lang="en-US" dirty="0"/>
           </a:p>
@@ -2080,7 +2079,7 @@
           <a:p>
             <a:fld id="{66E851C9-2478-4BD2-BE4D-474F5A07A30A}" type="datetime1">
               <a:rPr lang="en-US" smtClean="0"/>
-              <a:t>3/20/2017</a:t>
+              <a:t>3/21/2017</a:t>
             </a:fld>
             <a:endParaRPr lang="en-US" dirty="0"/>
           </a:p>
@@ -2123,7 +2122,7 @@
             <a:fld id="{6D22F896-40B5-4ADD-8801-0D06FADFA095}" type="slidenum">
               <a:rPr lang="en-US" smtClean="0"/>
               <a:pPr/>
-              <a:t>‹Nr.›</a:t>
+              <a:t>‹#›</a:t>
             </a:fld>
             <a:endParaRPr lang="en-US" dirty="0"/>
           </a:p>
@@ -2200,7 +2199,7 @@
           <a:p>
             <a:fld id="{66E851C9-2478-4BD2-BE4D-474F5A07A30A}" type="datetime1">
               <a:rPr lang="en-US" smtClean="0"/>
-              <a:t>3/20/2017</a:t>
+              <a:t>3/21/2017</a:t>
             </a:fld>
             <a:endParaRPr lang="en-US" dirty="0"/>
           </a:p>
@@ -2243,7 +2242,7 @@
             <a:fld id="{6D22F896-40B5-4ADD-8801-0D06FADFA095}" type="slidenum">
               <a:rPr lang="en-US" smtClean="0"/>
               <a:pPr/>
-              <a:t>‹Nr.›</a:t>
+              <a:t>‹#›</a:t>
             </a:fld>
             <a:endParaRPr lang="en-US" dirty="0"/>
           </a:p>
@@ -2297,7 +2296,7 @@
           <a:p>
             <a:fld id="{66E851C9-2478-4BD2-BE4D-474F5A07A30A}" type="datetime1">
               <a:rPr lang="en-US" smtClean="0"/>
-              <a:t>3/20/2017</a:t>
+              <a:t>3/21/2017</a:t>
             </a:fld>
             <a:endParaRPr lang="en-US" dirty="0"/>
           </a:p>
@@ -2340,7 +2339,7 @@
             <a:fld id="{6D22F896-40B5-4ADD-8801-0D06FADFA095}" type="slidenum">
               <a:rPr lang="en-US" smtClean="0"/>
               <a:pPr/>
-              <a:t>‹Nr.›</a:t>
+              <a:t>‹#›</a:t>
             </a:fld>
             <a:endParaRPr lang="en-US" dirty="0"/>
           </a:p>
@@ -2576,7 +2575,7 @@
           <a:p>
             <a:fld id="{66E851C9-2478-4BD2-BE4D-474F5A07A30A}" type="datetime1">
               <a:rPr lang="en-US" smtClean="0"/>
-              <a:t>3/20/2017</a:t>
+              <a:t>3/21/2017</a:t>
             </a:fld>
             <a:endParaRPr lang="en-US" dirty="0"/>
           </a:p>
@@ -2619,7 +2618,7 @@
             <a:fld id="{6D22F896-40B5-4ADD-8801-0D06FADFA095}" type="slidenum">
               <a:rPr lang="en-US" smtClean="0"/>
               <a:pPr/>
-              <a:t>‹Nr.›</a:t>
+              <a:t>‹#›</a:t>
             </a:fld>
             <a:endParaRPr lang="en-US" dirty="0"/>
           </a:p>
@@ -2831,7 +2830,7 @@
           <a:p>
             <a:fld id="{66E851C9-2478-4BD2-BE4D-474F5A07A30A}" type="datetime1">
               <a:rPr lang="en-US" smtClean="0"/>
-              <a:t>3/20/2017</a:t>
+              <a:t>3/21/2017</a:t>
             </a:fld>
             <a:endParaRPr lang="en-US" dirty="0"/>
           </a:p>
@@ -2874,7 +2873,7 @@
             <a:fld id="{6D22F896-40B5-4ADD-8801-0D06FADFA095}" type="slidenum">
               <a:rPr lang="en-US" smtClean="0"/>
               <a:pPr/>
-              <a:t>‹Nr.›</a:t>
+              <a:t>‹#›</a:t>
             </a:fld>
             <a:endParaRPr lang="en-US" dirty="0"/>
           </a:p>
@@ -3046,7 +3045,7 @@
           <a:p>
             <a:fld id="{66E851C9-2478-4BD2-BE4D-474F5A07A30A}" type="datetime1">
               <a:rPr lang="en-US" smtClean="0"/>
-              <a:t>3/20/2017</a:t>
+              <a:t>3/21/2017</a:t>
             </a:fld>
             <a:endParaRPr lang="en-US" dirty="0"/>
           </a:p>
@@ -3125,7 +3124,7 @@
             <a:fld id="{6D22F896-40B5-4ADD-8801-0D06FADFA095}" type="slidenum">
               <a:rPr lang="en-US" smtClean="0"/>
               <a:pPr/>
-              <a:t>‹Nr.›</a:t>
+              <a:t>‹#›</a:t>
             </a:fld>
             <a:endParaRPr lang="en-US" dirty="0"/>
           </a:p>
@@ -3610,7 +3609,7 @@
           <a:bodyPr/>
           <a:lstStyle/>
           <a:p>
-            <a:endParaRPr lang="de-CH"/>
+            <a:endParaRPr lang="de-CH" dirty="0"/>
           </a:p>
         </p:txBody>
       </p:sp>
@@ -3633,122 +3632,6 @@
               <a:rPr lang="en-US" smtClean="0"/>
               <a:pPr/>
               <a:t>10</a:t>
-            </a:fld>
-            <a:endParaRPr lang="en-US" dirty="0"/>
-          </a:p>
-        </p:txBody>
-      </p:sp>
-      <p:pic>
-        <p:nvPicPr>
-          <p:cNvPr id="2" name="Grafik 1"/>
-          <p:cNvPicPr>
-            <a:picLocks noChangeAspect="1"/>
-          </p:cNvPicPr>
-          <p:nvPr/>
-        </p:nvPicPr>
-        <p:blipFill>
-          <a:blip r:embed="rId2"/>
-          <a:stretch>
-            <a:fillRect/>
-          </a:stretch>
-        </p:blipFill>
-        <p:spPr>
-          <a:xfrm>
-            <a:off x="4326447" y="0"/>
-            <a:ext cx="3539106" cy="6858000"/>
-          </a:xfrm>
-          <a:prstGeom prst="rect">
-            <a:avLst/>
-          </a:prstGeom>
-        </p:spPr>
-      </p:pic>
-    </p:spTree>
-    <p:extLst>
-      <p:ext uri="{BB962C8B-B14F-4D97-AF65-F5344CB8AC3E}">
-        <p14:creationId xmlns:p14="http://schemas.microsoft.com/office/powerpoint/2010/main" val="404909038"/>
-      </p:ext>
-    </p:extLst>
-  </p:cSld>
-  <p:clrMapOvr>
-    <a:masterClrMapping/>
-  </p:clrMapOvr>
-</p:sld>
-</file>
-
-<file path=ppt/slides/slide11.xml><?xml version="1.0" encoding="utf-8"?>
-<p:sld xmlns:a="http://schemas.openxmlformats.org/drawingml/2006/main" xmlns:r="http://schemas.openxmlformats.org/officeDocument/2006/relationships" xmlns:p="http://schemas.openxmlformats.org/presentationml/2006/main">
-  <p:cSld>
-    <p:spTree>
-      <p:nvGrpSpPr>
-        <p:cNvPr id="1" name=""/>
-        <p:cNvGrpSpPr/>
-        <p:nvPr/>
-      </p:nvGrpSpPr>
-      <p:grpSpPr>
-        <a:xfrm>
-          <a:off x="0" y="0"/>
-          <a:ext cx="0" cy="0"/>
-          <a:chOff x="0" y="0"/>
-          <a:chExt cx="0" cy="0"/>
-        </a:xfrm>
-      </p:grpSpPr>
-      <p:sp>
-        <p:nvSpPr>
-          <p:cNvPr id="7" name="Titel 6"/>
-          <p:cNvSpPr>
-            <a:spLocks noGrp="1"/>
-          </p:cNvSpPr>
-          <p:nvPr>
-            <p:ph type="title"/>
-          </p:nvPr>
-        </p:nvSpPr>
-        <p:spPr/>
-        <p:txBody>
-          <a:bodyPr/>
-          <a:lstStyle/>
-          <a:p>
-            <a:endParaRPr lang="de-CH" dirty="0"/>
-          </a:p>
-        </p:txBody>
-      </p:sp>
-      <p:sp>
-        <p:nvSpPr>
-          <p:cNvPr id="8" name="Inhaltsplatzhalter 7"/>
-          <p:cNvSpPr>
-            <a:spLocks noGrp="1"/>
-          </p:cNvSpPr>
-          <p:nvPr>
-            <p:ph idx="1"/>
-          </p:nvPr>
-        </p:nvSpPr>
-        <p:spPr/>
-        <p:txBody>
-          <a:bodyPr/>
-          <a:lstStyle/>
-          <a:p>
-            <a:endParaRPr lang="de-CH" dirty="0"/>
-          </a:p>
-        </p:txBody>
-      </p:sp>
-      <p:sp>
-        <p:nvSpPr>
-          <p:cNvPr id="4" name="Foliennummernplatzhalter 3"/>
-          <p:cNvSpPr>
-            <a:spLocks noGrp="1"/>
-          </p:cNvSpPr>
-          <p:nvPr>
-            <p:ph type="sldNum" sz="quarter" idx="12"/>
-          </p:nvPr>
-        </p:nvSpPr>
-        <p:spPr/>
-        <p:txBody>
-          <a:bodyPr/>
-          <a:lstStyle/>
-          <a:p>
-            <a:fld id="{6D22F896-40B5-4ADD-8801-0D06FADFA095}" type="slidenum">
-              <a:rPr lang="en-US" smtClean="0"/>
-              <a:pPr/>
-              <a:t>11</a:t>
             </a:fld>
             <a:endParaRPr lang="en-US" dirty="0"/>
           </a:p>
@@ -3791,7 +3674,7 @@
 </p:sld>
 </file>
 
-<file path=ppt/slides/slide12.xml><?xml version="1.0" encoding="utf-8"?>
+<file path=ppt/slides/slide11.xml><?xml version="1.0" encoding="utf-8"?>
 <p:sld xmlns:a="http://schemas.openxmlformats.org/drawingml/2006/main" xmlns:r="http://schemas.openxmlformats.org/officeDocument/2006/relationships" xmlns:p="http://schemas.openxmlformats.org/presentationml/2006/main">
   <p:cSld>
     <p:spTree>
@@ -3864,7 +3747,7 @@
             <a:fld id="{6D22F896-40B5-4ADD-8801-0D06FADFA095}" type="slidenum">
               <a:rPr lang="en-US" smtClean="0"/>
               <a:pPr/>
-              <a:t>12</a:t>
+              <a:t>11</a:t>
             </a:fld>
             <a:endParaRPr lang="en-US" dirty="0"/>
           </a:p>
@@ -3907,7 +3790,7 @@
 </p:sld>
 </file>
 
-<file path=ppt/slides/slide13.xml><?xml version="1.0" encoding="utf-8"?>
+<file path=ppt/slides/slide12.xml><?xml version="1.0" encoding="utf-8"?>
 <p:sld xmlns:a="http://schemas.openxmlformats.org/drawingml/2006/main" xmlns:r="http://schemas.openxmlformats.org/officeDocument/2006/relationships" xmlns:p="http://schemas.openxmlformats.org/presentationml/2006/main">
   <p:cSld>
     <p:spTree>
@@ -3980,7 +3863,7 @@
             <a:fld id="{6D22F896-40B5-4ADD-8801-0D06FADFA095}" type="slidenum">
               <a:rPr lang="en-US" smtClean="0"/>
               <a:pPr/>
-              <a:t>13</a:t>
+              <a:t>12</a:t>
             </a:fld>
             <a:endParaRPr lang="en-US" dirty="0"/>
           </a:p>
@@ -4023,6 +3906,120 @@
 </p:sld>
 </file>
 
+<file path=ppt/slides/slide13.xml><?xml version="1.0" encoding="utf-8"?>
+<p:sld xmlns:a="http://schemas.openxmlformats.org/drawingml/2006/main" xmlns:r="http://schemas.openxmlformats.org/officeDocument/2006/relationships" xmlns:p="http://schemas.openxmlformats.org/presentationml/2006/main">
+  <p:cSld>
+    <p:spTree>
+      <p:nvGrpSpPr>
+        <p:cNvPr id="1" name=""/>
+        <p:cNvGrpSpPr/>
+        <p:nvPr/>
+      </p:nvGrpSpPr>
+      <p:grpSpPr>
+        <a:xfrm>
+          <a:off x="0" y="0"/>
+          <a:ext cx="0" cy="0"/>
+          <a:chOff x="0" y="0"/>
+          <a:chExt cx="0" cy="0"/>
+        </a:xfrm>
+      </p:grpSpPr>
+      <p:sp>
+        <p:nvSpPr>
+          <p:cNvPr id="2" name="Titel 1"/>
+          <p:cNvSpPr>
+            <a:spLocks noGrp="1"/>
+          </p:cNvSpPr>
+          <p:nvPr>
+            <p:ph type="title"/>
+          </p:nvPr>
+        </p:nvSpPr>
+        <p:spPr/>
+        <p:txBody>
+          <a:bodyPr/>
+          <a:lstStyle/>
+          <a:p>
+            <a:r>
+              <a:rPr lang="de-CH" dirty="0"/>
+              <a:t>Resultat 2: Main Features</a:t>
+            </a:r>
+          </a:p>
+        </p:txBody>
+      </p:sp>
+      <p:sp>
+        <p:nvSpPr>
+          <p:cNvPr id="3" name="Inhaltsplatzhalter 2"/>
+          <p:cNvSpPr>
+            <a:spLocks noGrp="1"/>
+          </p:cNvSpPr>
+          <p:nvPr>
+            <p:ph idx="1"/>
+          </p:nvPr>
+        </p:nvSpPr>
+        <p:spPr/>
+        <p:txBody>
+          <a:bodyPr/>
+          <a:lstStyle/>
+          <a:p>
+            <a:r>
+              <a:rPr lang="de-CH" dirty="0" err="1"/>
+              <a:t>Diary</a:t>
+            </a:r>
+            <a:endParaRPr lang="de-CH" dirty="0"/>
+          </a:p>
+          <a:p>
+            <a:r>
+              <a:rPr lang="de-CH" dirty="0" err="1"/>
+              <a:t>Exercises</a:t>
+            </a:r>
+            <a:endParaRPr lang="de-CH" dirty="0"/>
+          </a:p>
+          <a:p>
+            <a:r>
+              <a:rPr lang="de-CH" dirty="0"/>
+              <a:t>Infos</a:t>
+            </a:r>
+          </a:p>
+          <a:p>
+            <a:endParaRPr lang="de-CH" dirty="0"/>
+          </a:p>
+        </p:txBody>
+      </p:sp>
+      <p:sp>
+        <p:nvSpPr>
+          <p:cNvPr id="4" name="Foliennummernplatzhalter 3"/>
+          <p:cNvSpPr>
+            <a:spLocks noGrp="1"/>
+          </p:cNvSpPr>
+          <p:nvPr>
+            <p:ph type="sldNum" sz="quarter" idx="12"/>
+          </p:nvPr>
+        </p:nvSpPr>
+        <p:spPr/>
+        <p:txBody>
+          <a:bodyPr/>
+          <a:lstStyle/>
+          <a:p>
+            <a:fld id="{6D22F896-40B5-4ADD-8801-0D06FADFA095}" type="slidenum">
+              <a:rPr lang="en-US" smtClean="0"/>
+              <a:t>13</a:t>
+            </a:fld>
+            <a:endParaRPr lang="en-US" dirty="0"/>
+          </a:p>
+        </p:txBody>
+      </p:sp>
+    </p:spTree>
+    <p:extLst>
+      <p:ext uri="{BB962C8B-B14F-4D97-AF65-F5344CB8AC3E}">
+        <p14:creationId xmlns:p14="http://schemas.microsoft.com/office/powerpoint/2010/main" val="3165066519"/>
+      </p:ext>
+    </p:extLst>
+  </p:cSld>
+  <p:clrMapOvr>
+    <a:masterClrMapping/>
+  </p:clrMapOvr>
+</p:sld>
+</file>
+
 <file path=ppt/slides/slide14.xml><?xml version="1.0" encoding="utf-8"?>
 <p:sld xmlns:a="http://schemas.openxmlformats.org/drawingml/2006/main" xmlns:r="http://schemas.openxmlformats.org/officeDocument/2006/relationships" xmlns:p="http://schemas.openxmlformats.org/presentationml/2006/main">
   <p:cSld>
@@ -4042,121 +4039,6 @@
       </p:grpSpPr>
       <p:sp>
         <p:nvSpPr>
-          <p:cNvPr id="2" name="Titel 1"/>
-          <p:cNvSpPr>
-            <a:spLocks noGrp="1"/>
-          </p:cNvSpPr>
-          <p:nvPr>
-            <p:ph type="title"/>
-          </p:nvPr>
-        </p:nvSpPr>
-        <p:spPr/>
-        <p:txBody>
-          <a:bodyPr/>
-          <a:lstStyle/>
-          <a:p>
-            <a:r>
-              <a:rPr lang="de-CH" dirty="0"/>
-              <a:t>Resultat 2: Main Features</a:t>
-            </a:r>
-            <a:endParaRPr lang="de-CH" dirty="0"/>
-          </a:p>
-        </p:txBody>
-      </p:sp>
-      <p:sp>
-        <p:nvSpPr>
-          <p:cNvPr id="3" name="Inhaltsplatzhalter 2"/>
-          <p:cNvSpPr>
-            <a:spLocks noGrp="1"/>
-          </p:cNvSpPr>
-          <p:nvPr>
-            <p:ph idx="1"/>
-          </p:nvPr>
-        </p:nvSpPr>
-        <p:spPr/>
-        <p:txBody>
-          <a:bodyPr/>
-          <a:lstStyle/>
-          <a:p>
-            <a:r>
-              <a:rPr lang="de-CH" dirty="0" err="1"/>
-              <a:t>Diary</a:t>
-            </a:r>
-            <a:endParaRPr lang="de-CH" dirty="0"/>
-          </a:p>
-          <a:p>
-            <a:r>
-              <a:rPr lang="de-CH" dirty="0" err="1"/>
-              <a:t>Exercises</a:t>
-            </a:r>
-            <a:endParaRPr lang="de-CH" dirty="0"/>
-          </a:p>
-          <a:p>
-            <a:r>
-              <a:rPr lang="de-CH" dirty="0"/>
-              <a:t>Infos</a:t>
-            </a:r>
-          </a:p>
-          <a:p>
-            <a:endParaRPr lang="de-CH" dirty="0"/>
-          </a:p>
-        </p:txBody>
-      </p:sp>
-      <p:sp>
-        <p:nvSpPr>
-          <p:cNvPr id="4" name="Foliennummernplatzhalter 3"/>
-          <p:cNvSpPr>
-            <a:spLocks noGrp="1"/>
-          </p:cNvSpPr>
-          <p:nvPr>
-            <p:ph type="sldNum" sz="quarter" idx="12"/>
-          </p:nvPr>
-        </p:nvSpPr>
-        <p:spPr/>
-        <p:txBody>
-          <a:bodyPr/>
-          <a:lstStyle/>
-          <a:p>
-            <a:fld id="{6D22F896-40B5-4ADD-8801-0D06FADFA095}" type="slidenum">
-              <a:rPr lang="en-US" smtClean="0"/>
-              <a:t>14</a:t>
-            </a:fld>
-            <a:endParaRPr lang="en-US" dirty="0"/>
-          </a:p>
-        </p:txBody>
-      </p:sp>
-    </p:spTree>
-    <p:extLst>
-      <p:ext uri="{BB962C8B-B14F-4D97-AF65-F5344CB8AC3E}">
-        <p14:creationId xmlns:p14="http://schemas.microsoft.com/office/powerpoint/2010/main" val="3165066519"/>
-      </p:ext>
-    </p:extLst>
-  </p:cSld>
-  <p:clrMapOvr>
-    <a:masterClrMapping/>
-  </p:clrMapOvr>
-</p:sld>
-</file>
-
-<file path=ppt/slides/slide15.xml><?xml version="1.0" encoding="utf-8"?>
-<p:sld xmlns:a="http://schemas.openxmlformats.org/drawingml/2006/main" xmlns:r="http://schemas.openxmlformats.org/officeDocument/2006/relationships" xmlns:p="http://schemas.openxmlformats.org/presentationml/2006/main">
-  <p:cSld>
-    <p:spTree>
-      <p:nvGrpSpPr>
-        <p:cNvPr id="1" name=""/>
-        <p:cNvGrpSpPr/>
-        <p:nvPr/>
-      </p:nvGrpSpPr>
-      <p:grpSpPr>
-        <a:xfrm>
-          <a:off x="0" y="0"/>
-          <a:ext cx="0" cy="0"/>
-          <a:chOff x="0" y="0"/>
-          <a:chExt cx="0" cy="0"/>
-        </a:xfrm>
-      </p:grpSpPr>
-      <p:sp>
-        <p:nvSpPr>
           <p:cNvPr id="2" name="Title 1"/>
           <p:cNvSpPr>
             <a:spLocks noGrp="1"/>
@@ -4213,7 +4095,7 @@
           <a:p>
             <a:fld id="{6D22F896-40B5-4ADD-8801-0D06FADFA095}" type="slidenum">
               <a:rPr lang="en-US" smtClean="0"/>
-              <a:t>15</a:t>
+              <a:t>14</a:t>
             </a:fld>
             <a:endParaRPr lang="en-US" dirty="0"/>
           </a:p>
@@ -4273,7 +4155,7 @@
 </p:sld>
 </file>
 
-<file path=ppt/slides/slide16.xml><?xml version="1.0" encoding="utf-8"?>
+<file path=ppt/slides/slide15.xml><?xml version="1.0" encoding="utf-8"?>
 <p:sld xmlns:a="http://schemas.openxmlformats.org/drawingml/2006/main" xmlns:r="http://schemas.openxmlformats.org/officeDocument/2006/relationships" xmlns:p="http://schemas.openxmlformats.org/presentationml/2006/main">
   <p:cSld>
     <p:spTree>
@@ -4346,7 +4228,7 @@
             <a:fld id="{6D22F896-40B5-4ADD-8801-0D06FADFA095}" type="slidenum">
               <a:rPr lang="en-US" smtClean="0"/>
               <a:pPr/>
-              <a:t>16</a:t>
+              <a:t>15</a:t>
             </a:fld>
             <a:endParaRPr lang="en-US" dirty="0"/>
           </a:p>
@@ -4389,7 +4271,7 @@
 </p:sld>
 </file>
 
-<file path=ppt/slides/slide17.xml><?xml version="1.0" encoding="utf-8"?>
+<file path=ppt/slides/slide16.xml><?xml version="1.0" encoding="utf-8"?>
 <p:sld xmlns:a="http://schemas.openxmlformats.org/drawingml/2006/main" xmlns:r="http://schemas.openxmlformats.org/officeDocument/2006/relationships" xmlns:p="http://schemas.openxmlformats.org/presentationml/2006/main">
   <p:cSld>
     <p:spTree>
@@ -4462,7 +4344,7 @@
             <a:fld id="{6D22F896-40B5-4ADD-8801-0D06FADFA095}" type="slidenum">
               <a:rPr lang="en-US" smtClean="0"/>
               <a:pPr/>
-              <a:t>17</a:t>
+              <a:t>16</a:t>
             </a:fld>
             <a:endParaRPr lang="en-US" dirty="0"/>
           </a:p>
@@ -4505,7 +4387,7 @@
 </p:sld>
 </file>
 
-<file path=ppt/slides/slide18.xml><?xml version="1.0" encoding="utf-8"?>
+<file path=ppt/slides/slide17.xml><?xml version="1.0" encoding="utf-8"?>
 <p:sld xmlns:a="http://schemas.openxmlformats.org/drawingml/2006/main" xmlns:r="http://schemas.openxmlformats.org/officeDocument/2006/relationships" xmlns:p="http://schemas.openxmlformats.org/presentationml/2006/main">
   <p:cSld>
     <p:spTree>
@@ -4578,7 +4460,7 @@
             <a:fld id="{6D22F896-40B5-4ADD-8801-0D06FADFA095}" type="slidenum">
               <a:rPr lang="en-US" smtClean="0"/>
               <a:pPr/>
-              <a:t>18</a:t>
+              <a:t>17</a:t>
             </a:fld>
             <a:endParaRPr lang="en-US" dirty="0"/>
           </a:p>
@@ -4621,7 +4503,7 @@
 </p:sld>
 </file>
 
-<file path=ppt/slides/slide19.xml><?xml version="1.0" encoding="utf-8"?>
+<file path=ppt/slides/slide18.xml><?xml version="1.0" encoding="utf-8"?>
 <p:sld xmlns:a="http://schemas.openxmlformats.org/drawingml/2006/main" xmlns:r="http://schemas.openxmlformats.org/officeDocument/2006/relationships" xmlns:p="http://schemas.openxmlformats.org/presentationml/2006/main">
   <p:cSld>
     <p:spTree>
@@ -4694,7 +4576,7 @@
             <a:fld id="{6D22F896-40B5-4ADD-8801-0D06FADFA095}" type="slidenum">
               <a:rPr lang="en-US" smtClean="0"/>
               <a:pPr/>
-              <a:t>19</a:t>
+              <a:t>18</a:t>
             </a:fld>
             <a:endParaRPr lang="en-US" dirty="0"/>
           </a:p>
@@ -4737,7 +4619,7 @@
 </p:sld>
 </file>
 
-<file path=ppt/slides/slide2.xml><?xml version="1.0" encoding="utf-8"?>
+<file path=ppt/slides/slide19.xml><?xml version="1.0" encoding="utf-8"?>
 <p:sld xmlns:a="http://schemas.openxmlformats.org/drawingml/2006/main" xmlns:r="http://schemas.openxmlformats.org/officeDocument/2006/relationships" xmlns:p="http://schemas.openxmlformats.org/presentationml/2006/main">
   <p:cSld>
     <p:spTree>
@@ -4756,161 +4638,6 @@
       </p:grpSpPr>
       <p:sp>
         <p:nvSpPr>
-          <p:cNvPr id="2" name="Title 1"/>
-          <p:cNvSpPr>
-            <a:spLocks noGrp="1"/>
-          </p:cNvSpPr>
-          <p:nvPr>
-            <p:ph type="title"/>
-          </p:nvPr>
-        </p:nvSpPr>
-        <p:spPr/>
-        <p:txBody>
-          <a:bodyPr/>
-          <a:lstStyle/>
-          <a:p>
-            <a:r>
-              <a:rPr lang="de-CH" dirty="0" err="1"/>
-              <a:t>Lessons</a:t>
-            </a:r>
-            <a:r>
-              <a:rPr lang="de-CH" dirty="0"/>
-              <a:t> </a:t>
-            </a:r>
-            <a:r>
-              <a:rPr lang="de-CH" dirty="0" err="1"/>
-              <a:t>Learned</a:t>
-            </a:r>
-            <a:endParaRPr lang="de-CH" dirty="0"/>
-          </a:p>
-        </p:txBody>
-      </p:sp>
-      <p:sp>
-        <p:nvSpPr>
-          <p:cNvPr id="3" name="Content Placeholder 2"/>
-          <p:cNvSpPr>
-            <a:spLocks noGrp="1"/>
-          </p:cNvSpPr>
-          <p:nvPr>
-            <p:ph idx="1"/>
-          </p:nvPr>
-        </p:nvSpPr>
-        <p:spPr/>
-        <p:txBody>
-          <a:bodyPr/>
-          <a:lstStyle/>
-          <a:p>
-            <a:pPr lvl="0"/>
-            <a:r>
-              <a:rPr lang="en-US" dirty="0"/>
-              <a:t>Interview / </a:t>
-            </a:r>
-            <a:r>
-              <a:rPr lang="en-US" dirty="0" err="1"/>
-              <a:t>Feldstudie</a:t>
-            </a:r>
-            <a:r>
-              <a:rPr lang="en-US" dirty="0"/>
-              <a:t> so </a:t>
-            </a:r>
-            <a:r>
-              <a:rPr lang="en-US" dirty="0" err="1"/>
-              <a:t>schnell</a:t>
-            </a:r>
-            <a:r>
-              <a:rPr lang="en-US" dirty="0"/>
-              <a:t> </a:t>
-            </a:r>
-            <a:r>
-              <a:rPr lang="en-US" dirty="0" err="1"/>
-              <a:t>wie</a:t>
-            </a:r>
-            <a:r>
-              <a:rPr lang="en-US" dirty="0"/>
-              <a:t> </a:t>
-            </a:r>
-            <a:r>
-              <a:rPr lang="en-US" dirty="0" err="1"/>
-              <a:t>möglich</a:t>
-            </a:r>
-            <a:endParaRPr lang="en-US" dirty="0"/>
-          </a:p>
-          <a:p>
-            <a:pPr lvl="0"/>
-            <a:r>
-              <a:rPr lang="en-US" dirty="0" err="1"/>
-              <a:t>Relevanz</a:t>
-            </a:r>
-            <a:r>
-              <a:rPr lang="en-US" dirty="0"/>
-              <a:t> der Research</a:t>
-            </a:r>
-          </a:p>
-          <a:p>
-            <a:pPr lvl="0"/>
-            <a:endParaRPr lang="en-US" dirty="0"/>
-          </a:p>
-          <a:p>
-            <a:pPr lvl="0"/>
-            <a:endParaRPr lang="de-CH" dirty="0"/>
-          </a:p>
-        </p:txBody>
-      </p:sp>
-      <p:sp>
-        <p:nvSpPr>
-          <p:cNvPr id="4" name="Slide Number Placeholder 3"/>
-          <p:cNvSpPr>
-            <a:spLocks noGrp="1"/>
-          </p:cNvSpPr>
-          <p:nvPr>
-            <p:ph type="sldNum" sz="quarter" idx="12"/>
-          </p:nvPr>
-        </p:nvSpPr>
-        <p:spPr/>
-        <p:txBody>
-          <a:bodyPr/>
-          <a:lstStyle/>
-          <a:p>
-            <a:fld id="{6D22F896-40B5-4ADD-8801-0D06FADFA095}" type="slidenum">
-              <a:rPr lang="en-US" smtClean="0"/>
-              <a:t>2</a:t>
-            </a:fld>
-            <a:endParaRPr lang="en-US" dirty="0"/>
-          </a:p>
-        </p:txBody>
-      </p:sp>
-    </p:spTree>
-    <p:extLst>
-      <p:ext uri="{BB962C8B-B14F-4D97-AF65-F5344CB8AC3E}">
-        <p14:creationId xmlns:p14="http://schemas.microsoft.com/office/powerpoint/2010/main" val="3635758388"/>
-      </p:ext>
-    </p:extLst>
-  </p:cSld>
-  <p:clrMapOvr>
-    <a:masterClrMapping/>
-  </p:clrMapOvr>
-</p:sld>
-</file>
-
-<file path=ppt/slides/slide20.xml><?xml version="1.0" encoding="utf-8"?>
-<p:sld xmlns:a="http://schemas.openxmlformats.org/drawingml/2006/main" xmlns:r="http://schemas.openxmlformats.org/officeDocument/2006/relationships" xmlns:p="http://schemas.openxmlformats.org/presentationml/2006/main">
-  <p:cSld>
-    <p:spTree>
-      <p:nvGrpSpPr>
-        <p:cNvPr id="1" name=""/>
-        <p:cNvGrpSpPr/>
-        <p:nvPr/>
-      </p:nvGrpSpPr>
-      <p:grpSpPr>
-        <a:xfrm>
-          <a:off x="0" y="0"/>
-          <a:ext cx="0" cy="0"/>
-          <a:chOff x="0" y="0"/>
-          <a:chExt cx="0" cy="0"/>
-        </a:xfrm>
-      </p:grpSpPr>
-      <p:sp>
-        <p:nvSpPr>
           <p:cNvPr id="2" name="Titel 1"/>
           <p:cNvSpPr>
             <a:spLocks noGrp="1"/>
@@ -4965,7 +4692,7 @@
             <a:fld id="{6D22F896-40B5-4ADD-8801-0D06FADFA095}" type="slidenum">
               <a:rPr lang="en-US" smtClean="0"/>
               <a:pPr/>
-              <a:t>20</a:t>
+              <a:t>19</a:t>
             </a:fld>
             <a:endParaRPr lang="en-US" dirty="0"/>
           </a:p>
@@ -5008,7 +4735,7 @@
 </p:sld>
 </file>
 
-<file path=ppt/slides/slide21.xml><?xml version="1.0" encoding="utf-8"?>
+<file path=ppt/slides/slide2.xml><?xml version="1.0" encoding="utf-8"?>
 <p:sld xmlns:a="http://schemas.openxmlformats.org/drawingml/2006/main" xmlns:r="http://schemas.openxmlformats.org/officeDocument/2006/relationships" xmlns:p="http://schemas.openxmlformats.org/presentationml/2006/main">
   <p:cSld>
     <p:spTree>
@@ -5027,6 +4754,161 @@
       </p:grpSpPr>
       <p:sp>
         <p:nvSpPr>
+          <p:cNvPr id="2" name="Title 1"/>
+          <p:cNvSpPr>
+            <a:spLocks noGrp="1"/>
+          </p:cNvSpPr>
+          <p:nvPr>
+            <p:ph type="title"/>
+          </p:nvPr>
+        </p:nvSpPr>
+        <p:spPr/>
+        <p:txBody>
+          <a:bodyPr/>
+          <a:lstStyle/>
+          <a:p>
+            <a:r>
+              <a:rPr lang="de-CH" dirty="0" err="1"/>
+              <a:t>Lessons</a:t>
+            </a:r>
+            <a:r>
+              <a:rPr lang="de-CH" dirty="0"/>
+              <a:t> </a:t>
+            </a:r>
+            <a:r>
+              <a:rPr lang="de-CH" dirty="0" err="1"/>
+              <a:t>Learned</a:t>
+            </a:r>
+            <a:endParaRPr lang="de-CH" dirty="0"/>
+          </a:p>
+        </p:txBody>
+      </p:sp>
+      <p:sp>
+        <p:nvSpPr>
+          <p:cNvPr id="3" name="Content Placeholder 2"/>
+          <p:cNvSpPr>
+            <a:spLocks noGrp="1"/>
+          </p:cNvSpPr>
+          <p:nvPr>
+            <p:ph idx="1"/>
+          </p:nvPr>
+        </p:nvSpPr>
+        <p:spPr/>
+        <p:txBody>
+          <a:bodyPr/>
+          <a:lstStyle/>
+          <a:p>
+            <a:pPr lvl="0"/>
+            <a:r>
+              <a:rPr lang="en-US" dirty="0"/>
+              <a:t>Interview / </a:t>
+            </a:r>
+            <a:r>
+              <a:rPr lang="en-US" dirty="0" err="1"/>
+              <a:t>Feldstudie</a:t>
+            </a:r>
+            <a:r>
+              <a:rPr lang="en-US" dirty="0"/>
+              <a:t> so </a:t>
+            </a:r>
+            <a:r>
+              <a:rPr lang="en-US" dirty="0" err="1"/>
+              <a:t>schnell</a:t>
+            </a:r>
+            <a:r>
+              <a:rPr lang="en-US" dirty="0"/>
+              <a:t> </a:t>
+            </a:r>
+            <a:r>
+              <a:rPr lang="en-US" dirty="0" err="1"/>
+              <a:t>wie</a:t>
+            </a:r>
+            <a:r>
+              <a:rPr lang="en-US" dirty="0"/>
+              <a:t> </a:t>
+            </a:r>
+            <a:r>
+              <a:rPr lang="en-US" dirty="0" err="1"/>
+              <a:t>möglich</a:t>
+            </a:r>
+            <a:endParaRPr lang="en-US" dirty="0"/>
+          </a:p>
+          <a:p>
+            <a:pPr lvl="0"/>
+            <a:r>
+              <a:rPr lang="en-US" dirty="0" err="1"/>
+              <a:t>Relevanz</a:t>
+            </a:r>
+            <a:r>
+              <a:rPr lang="en-US" dirty="0"/>
+              <a:t> der Research</a:t>
+            </a:r>
+          </a:p>
+          <a:p>
+            <a:pPr lvl="0"/>
+            <a:endParaRPr lang="en-US" dirty="0"/>
+          </a:p>
+          <a:p>
+            <a:pPr lvl="0"/>
+            <a:endParaRPr lang="de-CH" dirty="0"/>
+          </a:p>
+        </p:txBody>
+      </p:sp>
+      <p:sp>
+        <p:nvSpPr>
+          <p:cNvPr id="4" name="Slide Number Placeholder 3"/>
+          <p:cNvSpPr>
+            <a:spLocks noGrp="1"/>
+          </p:cNvSpPr>
+          <p:nvPr>
+            <p:ph type="sldNum" sz="quarter" idx="12"/>
+          </p:nvPr>
+        </p:nvSpPr>
+        <p:spPr/>
+        <p:txBody>
+          <a:bodyPr/>
+          <a:lstStyle/>
+          <a:p>
+            <a:fld id="{6D22F896-40B5-4ADD-8801-0D06FADFA095}" type="slidenum">
+              <a:rPr lang="en-US" smtClean="0"/>
+              <a:t>2</a:t>
+            </a:fld>
+            <a:endParaRPr lang="en-US" dirty="0"/>
+          </a:p>
+        </p:txBody>
+      </p:sp>
+    </p:spTree>
+    <p:extLst>
+      <p:ext uri="{BB962C8B-B14F-4D97-AF65-F5344CB8AC3E}">
+        <p14:creationId xmlns:p14="http://schemas.microsoft.com/office/powerpoint/2010/main" val="3635758388"/>
+      </p:ext>
+    </p:extLst>
+  </p:cSld>
+  <p:clrMapOvr>
+    <a:masterClrMapping/>
+  </p:clrMapOvr>
+</p:sld>
+</file>
+
+<file path=ppt/slides/slide20.xml><?xml version="1.0" encoding="utf-8"?>
+<p:sld xmlns:a="http://schemas.openxmlformats.org/drawingml/2006/main" xmlns:r="http://schemas.openxmlformats.org/officeDocument/2006/relationships" xmlns:p="http://schemas.openxmlformats.org/presentationml/2006/main">
+  <p:cSld>
+    <p:spTree>
+      <p:nvGrpSpPr>
+        <p:cNvPr id="1" name=""/>
+        <p:cNvGrpSpPr/>
+        <p:nvPr/>
+      </p:nvGrpSpPr>
+      <p:grpSpPr>
+        <a:xfrm>
+          <a:off x="0" y="0"/>
+          <a:ext cx="0" cy="0"/>
+          <a:chOff x="0" y="0"/>
+          <a:chExt cx="0" cy="0"/>
+        </a:xfrm>
+      </p:grpSpPr>
+      <p:sp>
+        <p:nvSpPr>
           <p:cNvPr id="2" name="Titel 1"/>
           <p:cNvSpPr>
             <a:spLocks noGrp="1"/>
@@ -5081,7 +4963,7 @@
             <a:fld id="{6D22F896-40B5-4ADD-8801-0D06FADFA095}" type="slidenum">
               <a:rPr lang="en-US" smtClean="0"/>
               <a:pPr/>
-              <a:t>21</a:t>
+              <a:t>20</a:t>
             </a:fld>
             <a:endParaRPr lang="en-US" dirty="0"/>
           </a:p>
@@ -5124,7 +5006,7 @@
 </p:sld>
 </file>
 
-<file path=ppt/slides/slide22.xml><?xml version="1.0" encoding="utf-8"?>
+<file path=ppt/slides/slide21.xml><?xml version="1.0" encoding="utf-8"?>
 <p:sld xmlns:a="http://schemas.openxmlformats.org/drawingml/2006/main" xmlns:r="http://schemas.openxmlformats.org/officeDocument/2006/relationships" xmlns:p="http://schemas.openxmlformats.org/presentationml/2006/main">
   <p:cSld>
     <p:spTree>
@@ -5197,7 +5079,7 @@
             <a:fld id="{6D22F896-40B5-4ADD-8801-0D06FADFA095}" type="slidenum">
               <a:rPr lang="en-US" smtClean="0"/>
               <a:pPr/>
-              <a:t>22</a:t>
+              <a:t>21</a:t>
             </a:fld>
             <a:endParaRPr lang="en-US" dirty="0"/>
           </a:p>
@@ -5240,7 +5122,7 @@
 </p:sld>
 </file>
 
-<file path=ppt/slides/slide23.xml><?xml version="1.0" encoding="utf-8"?>
+<file path=ppt/slides/slide22.xml><?xml version="1.0" encoding="utf-8"?>
 <p:sld xmlns:a="http://schemas.openxmlformats.org/drawingml/2006/main" xmlns:r="http://schemas.openxmlformats.org/officeDocument/2006/relationships" xmlns:p="http://schemas.openxmlformats.org/presentationml/2006/main">
   <p:cSld>
     <p:spTree>
@@ -5313,7 +5195,7 @@
             <a:fld id="{6D22F896-40B5-4ADD-8801-0D06FADFA095}" type="slidenum">
               <a:rPr lang="en-US" smtClean="0"/>
               <a:pPr/>
-              <a:t>23</a:t>
+              <a:t>22</a:t>
             </a:fld>
             <a:endParaRPr lang="en-US" dirty="0"/>
           </a:p>
@@ -5356,7 +5238,7 @@
 </p:sld>
 </file>
 
-<file path=ppt/slides/slide24.xml><?xml version="1.0" encoding="utf-8"?>
+<file path=ppt/slides/slide23.xml><?xml version="1.0" encoding="utf-8"?>
 <p:sld xmlns:a="http://schemas.openxmlformats.org/drawingml/2006/main" xmlns:r="http://schemas.openxmlformats.org/officeDocument/2006/relationships" xmlns:p="http://schemas.openxmlformats.org/presentationml/2006/main">
   <p:cSld>
     <p:spTree>
@@ -5432,7 +5314,7 @@
             <a:fld id="{6D22F896-40B5-4ADD-8801-0D06FADFA095}" type="slidenum">
               <a:rPr lang="en-US" smtClean="0"/>
               <a:pPr/>
-              <a:t>24</a:t>
+              <a:t>23</a:t>
             </a:fld>
             <a:endParaRPr lang="en-US" dirty="0"/>
           </a:p>
@@ -5594,7 +5476,7 @@
           <a:p>
             <a:r>
               <a:rPr lang="de-CH" dirty="0"/>
-              <a:t>Resultat 1</a:t>
+              <a:t>Resultat 1: Main Features</a:t>
             </a:r>
           </a:p>
         </p:txBody>
@@ -5614,7 +5496,30 @@
           <a:bodyPr/>
           <a:lstStyle/>
           <a:p>
-            <a:endParaRPr lang="de-CH"/>
+            <a:r>
+              <a:rPr lang="de-CH" dirty="0"/>
+              <a:t>Notfall </a:t>
+            </a:r>
+            <a:r>
+              <a:rPr lang="de-CH" dirty="0" err="1"/>
+              <a:t>button</a:t>
+            </a:r>
+            <a:endParaRPr lang="de-CH" dirty="0"/>
+          </a:p>
+          <a:p>
+            <a:r>
+              <a:rPr lang="de-CH" dirty="0"/>
+              <a:t>Status</a:t>
+            </a:r>
+          </a:p>
+          <a:p>
+            <a:r>
+              <a:rPr lang="de-CH" dirty="0"/>
+              <a:t>Live Chat</a:t>
+            </a:r>
+          </a:p>
+          <a:p>
+            <a:endParaRPr lang="de-CH" dirty="0"/>
           </a:p>
         </p:txBody>
       </p:sp>
@@ -5644,7 +5549,7 @@
     </p:spTree>
     <p:extLst>
       <p:ext uri="{BB962C8B-B14F-4D97-AF65-F5344CB8AC3E}">
-        <p14:creationId xmlns:p14="http://schemas.microsoft.com/office/powerpoint/2010/main" val="861151966"/>
+        <p14:creationId xmlns:p14="http://schemas.microsoft.com/office/powerpoint/2010/main" val="1885969533"/>
       </p:ext>
     </p:extLst>
   </p:cSld>
@@ -5673,123 +5578,6 @@
       </p:grpSpPr>
       <p:sp>
         <p:nvSpPr>
-          <p:cNvPr id="2" name="Titel 1"/>
-          <p:cNvSpPr>
-            <a:spLocks noGrp="1"/>
-          </p:cNvSpPr>
-          <p:nvPr>
-            <p:ph type="title"/>
-          </p:nvPr>
-        </p:nvSpPr>
-        <p:spPr/>
-        <p:txBody>
-          <a:bodyPr/>
-          <a:lstStyle/>
-          <a:p>
-            <a:r>
-              <a:rPr lang="de-CH" dirty="0"/>
-              <a:t>Resultat 1: Main Features</a:t>
-            </a:r>
-          </a:p>
-        </p:txBody>
-      </p:sp>
-      <p:sp>
-        <p:nvSpPr>
-          <p:cNvPr id="3" name="Inhaltsplatzhalter 2"/>
-          <p:cNvSpPr>
-            <a:spLocks noGrp="1"/>
-          </p:cNvSpPr>
-          <p:nvPr>
-            <p:ph idx="1"/>
-          </p:nvPr>
-        </p:nvSpPr>
-        <p:spPr/>
-        <p:txBody>
-          <a:bodyPr/>
-          <a:lstStyle/>
-          <a:p>
-            <a:r>
-              <a:rPr lang="de-CH" dirty="0"/>
-              <a:t>Notfall </a:t>
-            </a:r>
-            <a:r>
-              <a:rPr lang="de-CH" dirty="0" err="1"/>
-              <a:t>button</a:t>
-            </a:r>
-            <a:endParaRPr lang="de-CH" dirty="0"/>
-          </a:p>
-          <a:p>
-            <a:r>
-              <a:rPr lang="de-CH" dirty="0"/>
-              <a:t>Status</a:t>
-            </a:r>
-          </a:p>
-          <a:p>
-            <a:r>
-              <a:rPr lang="de-CH" dirty="0"/>
-              <a:t>Live Chat</a:t>
-            </a:r>
-          </a:p>
-          <a:p>
-            <a:endParaRPr lang="de-CH" dirty="0"/>
-          </a:p>
-        </p:txBody>
-      </p:sp>
-      <p:sp>
-        <p:nvSpPr>
-          <p:cNvPr id="4" name="Foliennummernplatzhalter 3"/>
-          <p:cNvSpPr>
-            <a:spLocks noGrp="1"/>
-          </p:cNvSpPr>
-          <p:nvPr>
-            <p:ph type="sldNum" sz="quarter" idx="12"/>
-          </p:nvPr>
-        </p:nvSpPr>
-        <p:spPr/>
-        <p:txBody>
-          <a:bodyPr/>
-          <a:lstStyle/>
-          <a:p>
-            <a:fld id="{6D22F896-40B5-4ADD-8801-0D06FADFA095}" type="slidenum">
-              <a:rPr lang="en-US" smtClean="0"/>
-              <a:t>5</a:t>
-            </a:fld>
-            <a:endParaRPr lang="en-US" dirty="0"/>
-          </a:p>
-        </p:txBody>
-      </p:sp>
-    </p:spTree>
-    <p:extLst>
-      <p:ext uri="{BB962C8B-B14F-4D97-AF65-F5344CB8AC3E}">
-        <p14:creationId xmlns:p14="http://schemas.microsoft.com/office/powerpoint/2010/main" val="1885969533"/>
-      </p:ext>
-    </p:extLst>
-  </p:cSld>
-  <p:clrMapOvr>
-    <a:masterClrMapping/>
-  </p:clrMapOvr>
-</p:sld>
-</file>
-
-<file path=ppt/slides/slide6.xml><?xml version="1.0" encoding="utf-8"?>
-<p:sld xmlns:a="http://schemas.openxmlformats.org/drawingml/2006/main" xmlns:r="http://schemas.openxmlformats.org/officeDocument/2006/relationships" xmlns:p="http://schemas.openxmlformats.org/presentationml/2006/main">
-  <p:cSld>
-    <p:spTree>
-      <p:nvGrpSpPr>
-        <p:cNvPr id="1" name=""/>
-        <p:cNvGrpSpPr/>
-        <p:nvPr/>
-      </p:nvGrpSpPr>
-      <p:grpSpPr>
-        <a:xfrm>
-          <a:off x="0" y="0"/>
-          <a:ext cx="0" cy="0"/>
-          <a:chOff x="0" y="0"/>
-          <a:chExt cx="0" cy="0"/>
-        </a:xfrm>
-      </p:grpSpPr>
-      <p:sp>
-        <p:nvSpPr>
           <p:cNvPr id="2" name="Title 1"/>
           <p:cNvSpPr>
             <a:spLocks noGrp="1"/>
@@ -5846,7 +5634,7 @@
           <a:p>
             <a:fld id="{6D22F896-40B5-4ADD-8801-0D06FADFA095}" type="slidenum">
               <a:rPr lang="en-US" smtClean="0"/>
-              <a:t>6</a:t>
+              <a:t>5</a:t>
             </a:fld>
             <a:endParaRPr lang="en-US" dirty="0"/>
           </a:p>
@@ -5906,7 +5694,7 @@
 </p:sld>
 </file>
 
-<file path=ppt/slides/slide7.xml><?xml version="1.0" encoding="utf-8"?>
+<file path=ppt/slides/slide6.xml><?xml version="1.0" encoding="utf-8"?>
 <p:sld xmlns:a="http://schemas.openxmlformats.org/drawingml/2006/main" xmlns:r="http://schemas.openxmlformats.org/officeDocument/2006/relationships" xmlns:p="http://schemas.openxmlformats.org/presentationml/2006/main">
   <p:cSld>
     <p:spTree>
@@ -6005,7 +5793,7 @@
           <a:p>
             <a:fld id="{6D22F896-40B5-4ADD-8801-0D06FADFA095}" type="slidenum">
               <a:rPr lang="en-US" smtClean="0"/>
-              <a:t>7</a:t>
+              <a:t>6</a:t>
             </a:fld>
             <a:endParaRPr lang="en-US" dirty="0"/>
           </a:p>
@@ -6024,7 +5812,7 @@
 </p:sld>
 </file>
 
-<file path=ppt/slides/slide8.xml><?xml version="1.0" encoding="utf-8"?>
+<file path=ppt/slides/slide7.xml><?xml version="1.0" encoding="utf-8"?>
 <p:sld xmlns:a="http://schemas.openxmlformats.org/drawingml/2006/main" xmlns:r="http://schemas.openxmlformats.org/officeDocument/2006/relationships" xmlns:p="http://schemas.openxmlformats.org/presentationml/2006/main">
   <p:cSld>
     <p:spTree>
@@ -6097,7 +5885,7 @@
             <a:fld id="{6D22F896-40B5-4ADD-8801-0D06FADFA095}" type="slidenum">
               <a:rPr lang="en-US" smtClean="0"/>
               <a:pPr/>
-              <a:t>8</a:t>
+              <a:t>7</a:t>
             </a:fld>
             <a:endParaRPr lang="en-US" dirty="0"/>
           </a:p>
@@ -6140,7 +5928,7 @@
 </p:sld>
 </file>
 
-<file path=ppt/slides/slide9.xml><?xml version="1.0" encoding="utf-8"?>
+<file path=ppt/slides/slide8.xml><?xml version="1.0" encoding="utf-8"?>
 <p:sld xmlns:a="http://schemas.openxmlformats.org/drawingml/2006/main" xmlns:r="http://schemas.openxmlformats.org/officeDocument/2006/relationships" xmlns:p="http://schemas.openxmlformats.org/presentationml/2006/main">
   <p:cSld>
     <p:spTree>
@@ -6213,7 +6001,7 @@
             <a:fld id="{6D22F896-40B5-4ADD-8801-0D06FADFA095}" type="slidenum">
               <a:rPr lang="en-US" smtClean="0"/>
               <a:pPr/>
-              <a:t>9</a:t>
+              <a:t>8</a:t>
             </a:fld>
             <a:endParaRPr lang="en-US" dirty="0"/>
           </a:p>
@@ -6247,6 +6035,122 @@
     <p:extLst>
       <p:ext uri="{BB962C8B-B14F-4D97-AF65-F5344CB8AC3E}">
         <p14:creationId xmlns:p14="http://schemas.microsoft.com/office/powerpoint/2010/main" val="2941140820"/>
+      </p:ext>
+    </p:extLst>
+  </p:cSld>
+  <p:clrMapOvr>
+    <a:masterClrMapping/>
+  </p:clrMapOvr>
+</p:sld>
+</file>
+
+<file path=ppt/slides/slide9.xml><?xml version="1.0" encoding="utf-8"?>
+<p:sld xmlns:a="http://schemas.openxmlformats.org/drawingml/2006/main" xmlns:r="http://schemas.openxmlformats.org/officeDocument/2006/relationships" xmlns:p="http://schemas.openxmlformats.org/presentationml/2006/main">
+  <p:cSld>
+    <p:spTree>
+      <p:nvGrpSpPr>
+        <p:cNvPr id="1" name=""/>
+        <p:cNvGrpSpPr/>
+        <p:nvPr/>
+      </p:nvGrpSpPr>
+      <p:grpSpPr>
+        <a:xfrm>
+          <a:off x="0" y="0"/>
+          <a:ext cx="0" cy="0"/>
+          <a:chOff x="0" y="0"/>
+          <a:chExt cx="0" cy="0"/>
+        </a:xfrm>
+      </p:grpSpPr>
+      <p:sp>
+        <p:nvSpPr>
+          <p:cNvPr id="7" name="Titel 6"/>
+          <p:cNvSpPr>
+            <a:spLocks noGrp="1"/>
+          </p:cNvSpPr>
+          <p:nvPr>
+            <p:ph type="title"/>
+          </p:nvPr>
+        </p:nvSpPr>
+        <p:spPr/>
+        <p:txBody>
+          <a:bodyPr/>
+          <a:lstStyle/>
+          <a:p>
+            <a:endParaRPr lang="de-CH" dirty="0"/>
+          </a:p>
+        </p:txBody>
+      </p:sp>
+      <p:sp>
+        <p:nvSpPr>
+          <p:cNvPr id="8" name="Inhaltsplatzhalter 7"/>
+          <p:cNvSpPr>
+            <a:spLocks noGrp="1"/>
+          </p:cNvSpPr>
+          <p:nvPr>
+            <p:ph idx="1"/>
+          </p:nvPr>
+        </p:nvSpPr>
+        <p:spPr/>
+        <p:txBody>
+          <a:bodyPr/>
+          <a:lstStyle/>
+          <a:p>
+            <a:endParaRPr lang="de-CH"/>
+          </a:p>
+        </p:txBody>
+      </p:sp>
+      <p:sp>
+        <p:nvSpPr>
+          <p:cNvPr id="4" name="Foliennummernplatzhalter 3"/>
+          <p:cNvSpPr>
+            <a:spLocks noGrp="1"/>
+          </p:cNvSpPr>
+          <p:nvPr>
+            <p:ph type="sldNum" sz="quarter" idx="12"/>
+          </p:nvPr>
+        </p:nvSpPr>
+        <p:spPr/>
+        <p:txBody>
+          <a:bodyPr/>
+          <a:lstStyle/>
+          <a:p>
+            <a:fld id="{6D22F896-40B5-4ADD-8801-0D06FADFA095}" type="slidenum">
+              <a:rPr lang="en-US" smtClean="0"/>
+              <a:pPr/>
+              <a:t>9</a:t>
+            </a:fld>
+            <a:endParaRPr lang="en-US" dirty="0"/>
+          </a:p>
+        </p:txBody>
+      </p:sp>
+      <p:pic>
+        <p:nvPicPr>
+          <p:cNvPr id="2" name="Grafik 1"/>
+          <p:cNvPicPr>
+            <a:picLocks noChangeAspect="1"/>
+          </p:cNvPicPr>
+          <p:nvPr/>
+        </p:nvPicPr>
+        <p:blipFill>
+          <a:blip r:embed="rId2"/>
+          <a:stretch>
+            <a:fillRect/>
+          </a:stretch>
+        </p:blipFill>
+        <p:spPr>
+          <a:xfrm>
+            <a:off x="4326447" y="0"/>
+            <a:ext cx="3539106" cy="6858000"/>
+          </a:xfrm>
+          <a:prstGeom prst="rect">
+            <a:avLst/>
+          </a:prstGeom>
+        </p:spPr>
+      </p:pic>
+    </p:spTree>
+    <p:extLst>
+      <p:ext uri="{BB962C8B-B14F-4D97-AF65-F5344CB8AC3E}">
+        <p14:creationId xmlns:p14="http://schemas.microsoft.com/office/powerpoint/2010/main" val="404909038"/>
       </p:ext>
     </p:extLst>
   </p:cSld>
@@ -6545,7 +6449,7 @@
   <a:extraClrSchemeLst/>
   <a:extLst>
     <a:ext uri="{05A4C25C-085E-4340-85A3-A5531E510DB2}">
-      <thm15:themeFamily xmlns:thm15="http://schemas.microsoft.com/office/thememl/2012/main" name="Office Theme" id="{62F939B6-93AF-4DB8-9C6B-D6C7DFDC589F}" vid="{4A3C46E8-61CC-4603-A589-7422A47A8E4A}"/>
+      <thm15:themeFamily xmlns:thm15="http://schemas.microsoft.com/office/thememl/2012/main" xmlns="" name="Office Theme" id="{62F939B6-93AF-4DB8-9C6B-D6C7DFDC589F}" vid="{4A3C46E8-61CC-4603-A589-7422A47A8E4A}"/>
     </a:ext>
   </a:extLst>
 </a:theme>
@@ -6806,7 +6710,7 @@
   <a:extraClrSchemeLst/>
   <a:extLst>
     <a:ext uri="{05A4C25C-085E-4340-85A3-A5531E510DB2}">
-      <thm15:themeFamily xmlns:thm15="http://schemas.microsoft.com/office/thememl/2012/main" name="Office Theme" id="{62F939B6-93AF-4DB8-9C6B-D6C7DFDC589F}" vid="{4A3C46E8-61CC-4603-A589-7422A47A8E4A}"/>
+      <thm15:themeFamily xmlns:thm15="http://schemas.microsoft.com/office/thememl/2012/main" xmlns="" name="Office Theme" id="{62F939B6-93AF-4DB8-9C6B-D6C7DFDC589F}" vid="{4A3C46E8-61CC-4603-A589-7422A47A8E4A}"/>
     </a:ext>
   </a:extLst>
 </a:theme>
